--- a/device_model/wfi32_iot_wm-3.pptx
+++ b/device_model/wfi32_iot_wm-3.pptx
@@ -198,7 +198,7 @@
           <a:p>
             <a:fld id="{FD501506-38D8-4E22-82D3-5FD4ADAE0670}" type="datetimeFigureOut">
               <a:rPr lang="en-US" smtClean="0"/>
-              <a:t>4/10/23</a:t>
+              <a:t>4/13/23</a:t>
             </a:fld>
             <a:endParaRPr lang="en-US"/>
           </a:p>
@@ -650,7 +650,7 @@
           <a:p>
             <a:fld id="{3620004A-883C-4245-985B-D234050ABC20}" type="datetimeFigureOut">
               <a:rPr lang="en-US" smtClean="0"/>
-              <a:t>4/10/23</a:t>
+              <a:t>4/13/23</a:t>
             </a:fld>
             <a:endParaRPr lang="en-US"/>
           </a:p>
@@ -2612,7 +2612,7 @@
           <a:p>
             <a:fld id="{3620004A-883C-4245-985B-D234050ABC20}" type="datetimeFigureOut">
               <a:rPr lang="en-US" smtClean="0"/>
-              <a:t>4/10/23</a:t>
+              <a:t>4/13/23</a:t>
             </a:fld>
             <a:endParaRPr lang="en-US"/>
           </a:p>
@@ -3168,7 +3168,7 @@
           <p:nvPr>
             <p:extLst>
               <p:ext uri="{D42A27DB-BD31-4B8C-83A1-F6EECF244321}">
-                <p14:modId xmlns:p14="http://schemas.microsoft.com/office/powerpoint/2010/main" val="844198501"/>
+                <p14:modId xmlns:p14="http://schemas.microsoft.com/office/powerpoint/2010/main" val="1408493368"/>
               </p:ext>
             </p:extLst>
           </p:nvPr>
@@ -5355,7 +5355,7 @@
                           <a:latin typeface="Courier New" panose="02070309020205020404" pitchFamily="49" charset="0"/>
                           <a:cs typeface="Courier New" panose="02070309020205020404" pitchFamily="49" charset="0"/>
                         </a:rPr>
-                        <a:t>”:{“button_name”:“SW2”, “press_count”:7}}</a:t>
+                        <a:t>”:{“button_name”:“SW2”,“press_count”:7}}</a:t>
                       </a:r>
                     </a:p>
                   </a:txBody>
@@ -5456,7 +5456,7 @@
                 <a:latin typeface="Courier New" panose="02070309020205020404" pitchFamily="49" charset="0"/>
                 <a:cs typeface="Courier New" panose="02070309020205020404" pitchFamily="49" charset="0"/>
               </a:rPr>
-              <a:t>dtmi:com:Microchip:WFI32_Curiosity_WM;1</a:t>
+              <a:t>dtmi:com:Microchip:WFI32_IoT_WM;3</a:t>
             </a:r>
             <a:br>
               <a:rPr lang="en-US" sz="1800" dirty="0">
@@ -5482,7 +5482,7 @@
                 <a:latin typeface="Courier New" panose="02070309020205020404" pitchFamily="49" charset="0"/>
                 <a:cs typeface="Courier New" panose="02070309020205020404" pitchFamily="49" charset="0"/>
               </a:rPr>
-              <a:t>wfi32_curiosity_wm-1.json</a:t>
+              <a:t>wfi32_iot_wm-3.json</a:t>
             </a:r>
             <a:endParaRPr lang="en-US" sz="1800" dirty="0"/>
           </a:p>
@@ -5503,14 +5503,14 @@
           <p:nvPr>
             <p:extLst>
               <p:ext uri="{D42A27DB-BD31-4B8C-83A1-F6EECF244321}">
-                <p14:modId xmlns:p14="http://schemas.microsoft.com/office/powerpoint/2010/main" val="3848265653"/>
+                <p14:modId xmlns:p14="http://schemas.microsoft.com/office/powerpoint/2010/main" val="602417989"/>
               </p:ext>
             </p:extLst>
           </p:nvPr>
         </p:nvGraphicFramePr>
         <p:xfrm>
           <a:off x="226243" y="1467501"/>
-          <a:ext cx="8691514" cy="3396966"/>
+          <a:ext cx="8691514" cy="3214086"/>
         </p:xfrm>
         <a:graphic>
           <a:graphicData uri="http://schemas.openxmlformats.org/drawingml/2006/table">
@@ -6239,23 +6239,9 @@
                           <a:latin typeface="Courier New" panose="02070309020205020404" pitchFamily="49" charset="0"/>
                           <a:cs typeface="Courier New" panose="02070309020205020404" pitchFamily="49" charset="0"/>
                         </a:rPr>
-                        <a:t>”:{“ac”:200,“av”:84, “ad”:“OK”,“value”:2}}</a:t>
-                      </a:r>
-                    </a:p>
-                  </a:txBody>
-                  <a:tcPr/>
-                </a:tc>
-                <a:extLst>
-                  <a:ext uri="{0D108BD9-81ED-4DB2-BD59-A6C34878D82A}">
-                    <a16:rowId xmlns:a16="http://schemas.microsoft.com/office/drawing/2014/main" val="3614355820"/>
-                  </a:ext>
-                </a:extLst>
-              </a:tr>
-              <a:tr h="285517">
-                <a:tc>
-                  <a:txBody>
-                    <a:bodyPr/>
-                    <a:lstStyle/>
+                        <a:t>”:{“ac”:200,“av”:84,</a:t>
+                      </a:r>
+                    </a:p>
                     <a:p>
                       <a:pPr marL="0" marR="0" lvl="0" indent="0" algn="ctr" defTabSz="914400" rtl="0" eaLnBrk="1" fontAlgn="auto" latinLnBrk="0" hangingPunct="1">
                         <a:lnSpc>
@@ -6275,13 +6261,26 @@
                         <a:defRPr/>
                       </a:pPr>
                       <a:r>
-                        <a:rPr lang="en-US" sz="1200" dirty="0"/>
-                        <a:t>Property (Writable)</a:t>
-                      </a:r>
-                    </a:p>
-                  </a:txBody>
-                  <a:tcPr/>
-                </a:tc>
+                        <a:rPr lang="en-US" sz="1200" dirty="0">
+                          <a:solidFill>
+                            <a:schemeClr val="tx1"/>
+                          </a:solidFill>
+                          <a:latin typeface="Courier New" panose="02070309020205020404" pitchFamily="49" charset="0"/>
+                          <a:cs typeface="Courier New" panose="02070309020205020404" pitchFamily="49" charset="0"/>
+                        </a:rPr>
+                        <a:t>“ad”:“OK”,“value”:2}}</a:t>
+                      </a:r>
+                    </a:p>
+                  </a:txBody>
+                  <a:tcPr/>
+                </a:tc>
+                <a:extLst>
+                  <a:ext uri="{0D108BD9-81ED-4DB2-BD59-A6C34878D82A}">
+                    <a16:rowId xmlns:a16="http://schemas.microsoft.com/office/drawing/2014/main" val="3614355820"/>
+                  </a:ext>
+                </a:extLst>
+              </a:tr>
+              <a:tr h="285517">
                 <a:tc>
                   <a:txBody>
                     <a:bodyPr/>
@@ -6305,22 +6304,9 @@
                         <a:defRPr/>
                       </a:pPr>
                       <a:r>
-                        <a:rPr lang="en-US" sz="1200" dirty="0" err="1">
-                          <a:solidFill>
-                            <a:schemeClr val="tx1"/>
-                          </a:solidFill>
-                          <a:latin typeface="Courier New" panose="02070309020205020404" pitchFamily="49" charset="0"/>
-                          <a:cs typeface="Courier New" panose="02070309020205020404" pitchFamily="49" charset="0"/>
-                        </a:rPr>
-                        <a:t>telemetryInterval</a:t>
-                      </a:r>
-                      <a:endParaRPr lang="en-US" sz="1200" dirty="0">
-                        <a:solidFill>
-                          <a:schemeClr val="tx1"/>
-                        </a:solidFill>
-                        <a:latin typeface="Courier New" panose="02070309020205020404" pitchFamily="49" charset="0"/>
-                        <a:cs typeface="Courier New" panose="02070309020205020404" pitchFamily="49" charset="0"/>
-                      </a:endParaRPr>
+                        <a:rPr lang="en-US" sz="1200" dirty="0"/>
+                        <a:t>Property (Writable)</a:t>
+                      </a:r>
                     </a:p>
                   </a:txBody>
                   <a:tcPr/>
@@ -6348,15 +6334,22 @@
                         <a:defRPr/>
                       </a:pPr>
                       <a:r>
-                        <a:rPr lang="en-US" sz="1100" dirty="0">
-                          <a:solidFill>
-                            <a:schemeClr val="tx1"/>
-                          </a:solidFill>
-                          <a:latin typeface="Arial" panose="020B0604020202020204" pitchFamily="34" charset="0"/>
-                          <a:cs typeface="Arial" panose="020B0604020202020204" pitchFamily="34" charset="0"/>
-                        </a:rPr>
-                        <a:t>integer</a:t>
-                      </a:r>
+                        <a:rPr lang="en-US" sz="1200" dirty="0" err="1">
+                          <a:solidFill>
+                            <a:schemeClr val="tx1"/>
+                          </a:solidFill>
+                          <a:latin typeface="Courier New" panose="02070309020205020404" pitchFamily="49" charset="0"/>
+                          <a:cs typeface="Courier New" panose="02070309020205020404" pitchFamily="49" charset="0"/>
+                        </a:rPr>
+                        <a:t>telemetryInterval</a:t>
+                      </a:r>
+                      <a:endParaRPr lang="en-US" sz="1200" dirty="0">
+                        <a:solidFill>
+                          <a:schemeClr val="tx1"/>
+                        </a:solidFill>
+                        <a:latin typeface="Courier New" panose="02070309020205020404" pitchFamily="49" charset="0"/>
+                        <a:cs typeface="Courier New" panose="02070309020205020404" pitchFamily="49" charset="0"/>
+                      </a:endParaRPr>
                     </a:p>
                   </a:txBody>
                   <a:tcPr/>
@@ -6384,55 +6377,14 @@
                         <a:defRPr/>
                       </a:pPr>
                       <a:r>
-                        <a:rPr lang="en-US" sz="1200" dirty="0">
-                          <a:solidFill>
-                            <a:schemeClr val="tx1"/>
-                          </a:solidFill>
-                          <a:latin typeface="Courier New" panose="02070309020205020404" pitchFamily="49" charset="0"/>
-                          <a:cs typeface="Courier New" panose="02070309020205020404" pitchFamily="49" charset="0"/>
-                        </a:rPr>
-                        <a:t>{“</a:t>
-                      </a:r>
-                      <a:r>
-                        <a:rPr lang="en-US" sz="1200" dirty="0" err="1">
-                          <a:solidFill>
-                            <a:schemeClr val="tx1"/>
-                          </a:solidFill>
-                          <a:latin typeface="Courier New" panose="02070309020205020404" pitchFamily="49" charset="0"/>
-                          <a:cs typeface="Courier New" panose="02070309020205020404" pitchFamily="49" charset="0"/>
-                        </a:rPr>
-                        <a:t>telemetryInterval</a:t>
-                      </a:r>
-                      <a:r>
-                        <a:rPr lang="en-US" sz="1200" dirty="0">
-                          <a:solidFill>
-                            <a:schemeClr val="tx1"/>
-                          </a:solidFill>
-                          <a:latin typeface="Courier New" panose="02070309020205020404" pitchFamily="49" charset="0"/>
-                          <a:cs typeface="Courier New" panose="02070309020205020404" pitchFamily="49" charset="0"/>
-                        </a:rPr>
-                        <a:t>”:{“ac”:200,“av”:55, “ad”:“OK”,“value”:10}}</a:t>
-                      </a:r>
-                    </a:p>
-                  </a:txBody>
-                  <a:tcPr/>
-                </a:tc>
-                <a:extLst>
-                  <a:ext uri="{0D108BD9-81ED-4DB2-BD59-A6C34878D82A}">
-                    <a16:rowId xmlns:a16="http://schemas.microsoft.com/office/drawing/2014/main" val="4060793695"/>
-                  </a:ext>
-                </a:extLst>
-              </a:tr>
-              <a:tr h="285517">
-                <a:tc>
-                  <a:txBody>
-                    <a:bodyPr/>
-                    <a:lstStyle/>
-                    <a:p>
-                      <a:pPr algn="ctr"/>
-                      <a:r>
-                        <a:rPr lang="en-US" sz="1200" dirty="0"/>
-                        <a:t>Command (Request)</a:t>
+                        <a:rPr lang="en-US" sz="1100" dirty="0">
+                          <a:solidFill>
+                            <a:schemeClr val="tx1"/>
+                          </a:solidFill>
+                          <a:latin typeface="Arial" panose="020B0604020202020204" pitchFamily="34" charset="0"/>
+                          <a:cs typeface="Arial" panose="020B0604020202020204" pitchFamily="34" charset="0"/>
+                        </a:rPr>
+                        <a:t>integer</a:t>
                       </a:r>
                     </a:p>
                   </a:txBody>
@@ -6468,16 +6420,29 @@
                           <a:latin typeface="Courier New" panose="02070309020205020404" pitchFamily="49" charset="0"/>
                           <a:cs typeface="Courier New" panose="02070309020205020404" pitchFamily="49" charset="0"/>
                         </a:rPr>
-                        <a:t>reboot</a:t>
-                      </a:r>
-                    </a:p>
-                  </a:txBody>
-                  <a:tcPr/>
-                </a:tc>
-                <a:tc>
-                  <a:txBody>
-                    <a:bodyPr/>
-                    <a:lstStyle/>
+                        <a:t>{“</a:t>
+                      </a:r>
+                      <a:r>
+                        <a:rPr lang="en-US" sz="1200" dirty="0" err="1">
+                          <a:solidFill>
+                            <a:schemeClr val="tx1"/>
+                          </a:solidFill>
+                          <a:latin typeface="Courier New" panose="02070309020205020404" pitchFamily="49" charset="0"/>
+                          <a:cs typeface="Courier New" panose="02070309020205020404" pitchFamily="49" charset="0"/>
+                        </a:rPr>
+                        <a:t>telemetryInterval</a:t>
+                      </a:r>
+                      <a:r>
+                        <a:rPr lang="en-US" sz="1200" dirty="0">
+                          <a:solidFill>
+                            <a:schemeClr val="tx1"/>
+                          </a:solidFill>
+                          <a:latin typeface="Courier New" panose="02070309020205020404" pitchFamily="49" charset="0"/>
+                          <a:cs typeface="Courier New" panose="02070309020205020404" pitchFamily="49" charset="0"/>
+                        </a:rPr>
+                        <a:t>”:{“ac”:200,“av”:55,</a:t>
+                      </a:r>
+                    </a:p>
                     <a:p>
                       <a:pPr marL="0" marR="0" lvl="0" indent="0" algn="ctr" defTabSz="914400" rtl="0" eaLnBrk="1" fontAlgn="auto" latinLnBrk="0" hangingPunct="1">
                         <a:lnSpc>
@@ -6497,14 +6462,35 @@
                         <a:defRPr/>
                       </a:pPr>
                       <a:r>
-                        <a:rPr lang="en-US" sz="1100" dirty="0">
-                          <a:solidFill>
-                            <a:schemeClr val="tx1"/>
-                          </a:solidFill>
-                          <a:latin typeface="Arial" panose="020B0604020202020204" pitchFamily="34" charset="0"/>
-                          <a:cs typeface="Arial" panose="020B0604020202020204" pitchFamily="34" charset="0"/>
-                        </a:rPr>
-                        <a:t>Object</a:t>
+                        <a:rPr lang="en-US" sz="1200" dirty="0">
+                          <a:solidFill>
+                            <a:schemeClr val="tx1"/>
+                          </a:solidFill>
+                          <a:latin typeface="Courier New" panose="02070309020205020404" pitchFamily="49" charset="0"/>
+                          <a:cs typeface="Courier New" panose="02070309020205020404" pitchFamily="49" charset="0"/>
+                        </a:rPr>
+                        <a:t>“ad”:“OK”,“value”:10}}</a:t>
+                      </a:r>
+                    </a:p>
+                  </a:txBody>
+                  <a:tcPr/>
+                </a:tc>
+                <a:extLst>
+                  <a:ext uri="{0D108BD9-81ED-4DB2-BD59-A6C34878D82A}">
+                    <a16:rowId xmlns:a16="http://schemas.microsoft.com/office/drawing/2014/main" val="4060793695"/>
+                  </a:ext>
+                </a:extLst>
+              </a:tr>
+              <a:tr h="285517">
+                <a:tc>
+                  <a:txBody>
+                    <a:bodyPr/>
+                    <a:lstStyle/>
+                    <a:p>
+                      <a:pPr algn="ctr"/>
+                      <a:r>
+                        <a:rPr lang="en-US" sz="1200" dirty="0"/>
+                        <a:t>Command (Request)</a:t>
                       </a:r>
                     </a:p>
                   </a:txBody>
@@ -6540,19 +6526,12 @@
                           <a:latin typeface="Courier New" panose="02070309020205020404" pitchFamily="49" charset="0"/>
                           <a:cs typeface="Courier New" panose="02070309020205020404" pitchFamily="49" charset="0"/>
                         </a:rPr>
-                        <a:t>{“payload”:{“delay”:“PT5S”}}</a:t>
-                      </a:r>
-                    </a:p>
-                  </a:txBody>
-                  <a:tcPr/>
-                </a:tc>
-                <a:extLst>
-                  <a:ext uri="{0D108BD9-81ED-4DB2-BD59-A6C34878D82A}">
-                    <a16:rowId xmlns:a16="http://schemas.microsoft.com/office/drawing/2014/main" val="1224305772"/>
-                  </a:ext>
-                </a:extLst>
-              </a:tr>
-              <a:tr h="279918">
+                        <a:t>reboot</a:t>
+                      </a:r>
+                    </a:p>
+                  </a:txBody>
+                  <a:tcPr/>
+                </a:tc>
                 <a:tc>
                   <a:txBody>
                     <a:bodyPr/>
@@ -6576,8 +6555,14 @@
                         <a:defRPr/>
                       </a:pPr>
                       <a:r>
-                        <a:rPr lang="en-US" sz="1200" dirty="0"/>
-                        <a:t>Command (Response)</a:t>
+                        <a:rPr lang="en-US" sz="1100" dirty="0">
+                          <a:solidFill>
+                            <a:schemeClr val="tx1"/>
+                          </a:solidFill>
+                          <a:latin typeface="Arial" panose="020B0604020202020204" pitchFamily="34" charset="0"/>
+                          <a:cs typeface="Arial" panose="020B0604020202020204" pitchFamily="34" charset="0"/>
+                        </a:rPr>
+                        <a:t>Object</a:t>
                       </a:r>
                     </a:p>
                   </a:txBody>
@@ -6613,12 +6598,19 @@
                           <a:latin typeface="Courier New" panose="02070309020205020404" pitchFamily="49" charset="0"/>
                           <a:cs typeface="Courier New" panose="02070309020205020404" pitchFamily="49" charset="0"/>
                         </a:rPr>
-                        <a:t>reboot</a:t>
-                      </a:r>
-                    </a:p>
-                  </a:txBody>
-                  <a:tcPr/>
-                </a:tc>
+                        <a:t>{“delay”:“PT5S”}</a:t>
+                      </a:r>
+                    </a:p>
+                  </a:txBody>
+                  <a:tcPr/>
+                </a:tc>
+                <a:extLst>
+                  <a:ext uri="{0D108BD9-81ED-4DB2-BD59-A6C34878D82A}">
+                    <a16:rowId xmlns:a16="http://schemas.microsoft.com/office/drawing/2014/main" val="1224305772"/>
+                  </a:ext>
+                </a:extLst>
+              </a:tr>
+              <a:tr h="279918">
                 <a:tc>
                   <a:txBody>
                     <a:bodyPr/>
@@ -6642,14 +6634,8 @@
                         <a:defRPr/>
                       </a:pPr>
                       <a:r>
-                        <a:rPr lang="en-US" sz="1100" dirty="0">
-                          <a:solidFill>
-                            <a:schemeClr val="tx1"/>
-                          </a:solidFill>
-                          <a:latin typeface="Arial" panose="020B0604020202020204" pitchFamily="34" charset="0"/>
-                          <a:cs typeface="Arial" panose="020B0604020202020204" pitchFamily="34" charset="0"/>
-                        </a:rPr>
-                        <a:t>Object</a:t>
+                        <a:rPr lang="en-US" sz="1200" dirty="0"/>
+                        <a:t>Command (Response)</a:t>
                       </a:r>
                     </a:p>
                   </a:txBody>
@@ -6685,19 +6671,12 @@
                           <a:latin typeface="Courier New" panose="02070309020205020404" pitchFamily="49" charset="0"/>
                           <a:cs typeface="Courier New" panose="02070309020205020404" pitchFamily="49" charset="0"/>
                         </a:rPr>
-                        <a:t>{“response”:{“status”:“success”,“delay”:5}}</a:t>
-                      </a:r>
-                    </a:p>
-                  </a:txBody>
-                  <a:tcPr/>
-                </a:tc>
-                <a:extLst>
-                  <a:ext uri="{0D108BD9-81ED-4DB2-BD59-A6C34878D82A}">
-                    <a16:rowId xmlns:a16="http://schemas.microsoft.com/office/drawing/2014/main" val="62875997"/>
-                  </a:ext>
-                </a:extLst>
-              </a:tr>
-              <a:tr h="261258">
+                        <a:t>reboot</a:t>
+                      </a:r>
+                    </a:p>
+                  </a:txBody>
+                  <a:tcPr/>
+                </a:tc>
                 <a:tc>
                   <a:txBody>
                     <a:bodyPr/>
@@ -6721,8 +6700,14 @@
                         <a:defRPr/>
                       </a:pPr>
                       <a:r>
-                        <a:rPr lang="en-US" sz="1200" dirty="0"/>
-                        <a:t>Command (Request)</a:t>
+                        <a:rPr lang="en-US" sz="1100" dirty="0">
+                          <a:solidFill>
+                            <a:schemeClr val="tx1"/>
+                          </a:solidFill>
+                          <a:latin typeface="Arial" panose="020B0604020202020204" pitchFamily="34" charset="0"/>
+                          <a:cs typeface="Arial" panose="020B0604020202020204" pitchFamily="34" charset="0"/>
+                        </a:rPr>
+                        <a:t>Object</a:t>
                       </a:r>
                     </a:p>
                   </a:txBody>
@@ -6751,26 +6736,26 @@
                         <a:defRPr/>
                       </a:pPr>
                       <a:r>
-                        <a:rPr lang="en-US" sz="1200" dirty="0" err="1">
+                        <a:rPr lang="en-US" sz="1200" dirty="0">
                           <a:solidFill>
                             <a:schemeClr val="tx1"/>
                           </a:solidFill>
                           <a:latin typeface="Courier New" panose="02070309020205020404" pitchFamily="49" charset="0"/>
                           <a:cs typeface="Courier New" panose="02070309020205020404" pitchFamily="49" charset="0"/>
                         </a:rPr>
-                        <a:t>sendMsg</a:t>
-                      </a:r>
-                      <a:endParaRPr lang="en-US" sz="1200" dirty="0">
-                        <a:solidFill>
-                          <a:schemeClr val="tx1"/>
-                        </a:solidFill>
-                        <a:latin typeface="Courier New" panose="02070309020205020404" pitchFamily="49" charset="0"/>
-                        <a:cs typeface="Courier New" panose="02070309020205020404" pitchFamily="49" charset="0"/>
-                      </a:endParaRPr>
-                    </a:p>
-                  </a:txBody>
-                  <a:tcPr/>
-                </a:tc>
+                        <a:t>{“status”:“success”,“delay”:5}</a:t>
+                      </a:r>
+                    </a:p>
+                  </a:txBody>
+                  <a:tcPr/>
+                </a:tc>
+                <a:extLst>
+                  <a:ext uri="{0D108BD9-81ED-4DB2-BD59-A6C34878D82A}">
+                    <a16:rowId xmlns:a16="http://schemas.microsoft.com/office/drawing/2014/main" val="62875997"/>
+                  </a:ext>
+                </a:extLst>
+              </a:tr>
+              <a:tr h="261258">
                 <a:tc>
                   <a:txBody>
                     <a:bodyPr/>
@@ -6794,14 +6779,8 @@
                         <a:defRPr/>
                       </a:pPr>
                       <a:r>
-                        <a:rPr lang="en-US" sz="1100" dirty="0">
-                          <a:solidFill>
-                            <a:schemeClr val="tx1"/>
-                          </a:solidFill>
-                          <a:latin typeface="Arial" panose="020B0604020202020204" pitchFamily="34" charset="0"/>
-                          <a:cs typeface="Arial" panose="020B0604020202020204" pitchFamily="34" charset="0"/>
-                        </a:rPr>
-                        <a:t>Object</a:t>
+                        <a:rPr lang="en-US" sz="1200" dirty="0"/>
+                        <a:t>Command (Request)</a:t>
                       </a:r>
                     </a:p>
                   </a:txBody>
@@ -6830,46 +6809,26 @@
                         <a:defRPr/>
                       </a:pPr>
                       <a:r>
-                        <a:rPr lang="en-US" sz="1200" dirty="0">
+                        <a:rPr lang="en-US" sz="1200" dirty="0" err="1">
                           <a:solidFill>
                             <a:schemeClr val="tx1"/>
                           </a:solidFill>
                           <a:latin typeface="Courier New" panose="02070309020205020404" pitchFamily="49" charset="0"/>
                           <a:cs typeface="Courier New" panose="02070309020205020404" pitchFamily="49" charset="0"/>
                         </a:rPr>
-                        <a:t>{“payload”:{“</a:t>
-                      </a:r>
-                      <a:r>
-                        <a:rPr lang="en-US" sz="1200" dirty="0" err="1">
-                          <a:solidFill>
-                            <a:schemeClr val="tx1"/>
-                          </a:solidFill>
-                          <a:latin typeface="Courier New" panose="02070309020205020404" pitchFamily="49" charset="0"/>
-                          <a:cs typeface="Courier New" panose="02070309020205020404" pitchFamily="49" charset="0"/>
-                        </a:rPr>
-                        <a:t>sendMsgString</a:t>
-                      </a:r>
-                      <a:r>
-                        <a:rPr lang="en-US" sz="1200" dirty="0">
-                          <a:solidFill>
-                            <a:schemeClr val="tx1"/>
-                          </a:solidFill>
-                          <a:latin typeface="Courier New" panose="02070309020205020404" pitchFamily="49" charset="0"/>
-                          <a:cs typeface="Courier New" panose="02070309020205020404" pitchFamily="49" charset="0"/>
-                        </a:rPr>
-                        <a:t>”:“Hello World!!!”}}</a:t>
-                      </a:r>
-                    </a:p>
-                  </a:txBody>
-                  <a:tcPr/>
-                </a:tc>
-                <a:extLst>
-                  <a:ext uri="{0D108BD9-81ED-4DB2-BD59-A6C34878D82A}">
-                    <a16:rowId xmlns:a16="http://schemas.microsoft.com/office/drawing/2014/main" val="1571385042"/>
-                  </a:ext>
-                </a:extLst>
-              </a:tr>
-              <a:tr h="294848">
+                        <a:t>sendMsg</a:t>
+                      </a:r>
+                      <a:endParaRPr lang="en-US" sz="1200" dirty="0">
+                        <a:solidFill>
+                          <a:schemeClr val="tx1"/>
+                        </a:solidFill>
+                        <a:latin typeface="Courier New" panose="02070309020205020404" pitchFamily="49" charset="0"/>
+                        <a:cs typeface="Courier New" panose="02070309020205020404" pitchFamily="49" charset="0"/>
+                      </a:endParaRPr>
+                    </a:p>
+                  </a:txBody>
+                  <a:tcPr/>
+                </a:tc>
                 <a:tc>
                   <a:txBody>
                     <a:bodyPr/>
@@ -6893,8 +6852,14 @@
                         <a:defRPr/>
                       </a:pPr>
                       <a:r>
-                        <a:rPr lang="en-US" sz="1200" dirty="0"/>
-                        <a:t>Command (Response)</a:t>
+                        <a:rPr lang="en-US" sz="1100" dirty="0">
+                          <a:solidFill>
+                            <a:schemeClr val="tx1"/>
+                          </a:solidFill>
+                          <a:latin typeface="Arial" panose="020B0604020202020204" pitchFamily="34" charset="0"/>
+                          <a:cs typeface="Arial" panose="020B0604020202020204" pitchFamily="34" charset="0"/>
+                        </a:rPr>
+                        <a:t>Object</a:t>
                       </a:r>
                     </a:p>
                   </a:txBody>
@@ -6923,26 +6888,46 @@
                         <a:defRPr/>
                       </a:pPr>
                       <a:r>
-                        <a:rPr lang="en-US" sz="1200" dirty="0" err="1">
+                        <a:rPr lang="en-US" sz="1200" dirty="0">
                           <a:solidFill>
                             <a:schemeClr val="tx1"/>
                           </a:solidFill>
                           <a:latin typeface="Courier New" panose="02070309020205020404" pitchFamily="49" charset="0"/>
                           <a:cs typeface="Courier New" panose="02070309020205020404" pitchFamily="49" charset="0"/>
                         </a:rPr>
-                        <a:t>sendMsg</a:t>
-                      </a:r>
-                      <a:endParaRPr lang="en-US" sz="1200" dirty="0">
-                        <a:solidFill>
-                          <a:schemeClr val="tx1"/>
-                        </a:solidFill>
-                        <a:latin typeface="Courier New" panose="02070309020205020404" pitchFamily="49" charset="0"/>
-                        <a:cs typeface="Courier New" panose="02070309020205020404" pitchFamily="49" charset="0"/>
-                      </a:endParaRPr>
-                    </a:p>
-                  </a:txBody>
-                  <a:tcPr/>
-                </a:tc>
+                        <a:t>{“</a:t>
+                      </a:r>
+                      <a:r>
+                        <a:rPr lang="en-US" sz="1200" dirty="0" err="1">
+                          <a:solidFill>
+                            <a:schemeClr val="tx1"/>
+                          </a:solidFill>
+                          <a:latin typeface="Courier New" panose="02070309020205020404" pitchFamily="49" charset="0"/>
+                          <a:cs typeface="Courier New" panose="02070309020205020404" pitchFamily="49" charset="0"/>
+                        </a:rPr>
+                        <a:t>sendMsgString</a:t>
+                      </a:r>
+                      <a:r>
+                        <a:rPr lang="en-US" sz="1200" dirty="0">
+                          <a:solidFill>
+                            <a:schemeClr val="tx1"/>
+                          </a:solidFill>
+                          <a:latin typeface="Courier New" panose="02070309020205020404" pitchFamily="49" charset="0"/>
+                          <a:cs typeface="Courier New" panose="02070309020205020404" pitchFamily="49" charset="0"/>
+                        </a:rPr>
+                        <a:t>”:“Hello World!!!”}</a:t>
+                      </a:r>
+                    </a:p>
+                  </a:txBody>
+                  <a:tcPr/>
+                </a:tc>
+                <a:extLst>
+                  <a:ext uri="{0D108BD9-81ED-4DB2-BD59-A6C34878D82A}">
+                    <a16:rowId xmlns:a16="http://schemas.microsoft.com/office/drawing/2014/main" val="1571385042"/>
+                  </a:ext>
+                </a:extLst>
+              </a:tr>
+              <a:tr h="294848">
                 <a:tc>
                   <a:txBody>
                     <a:bodyPr/>
@@ -6966,14 +6951,8 @@
                         <a:defRPr/>
                       </a:pPr>
                       <a:r>
-                        <a:rPr lang="en-US" sz="1100" dirty="0">
-                          <a:solidFill>
-                            <a:schemeClr val="tx1"/>
-                          </a:solidFill>
-                          <a:latin typeface="Arial" panose="020B0604020202020204" pitchFamily="34" charset="0"/>
-                          <a:cs typeface="Arial" panose="020B0604020202020204" pitchFamily="34" charset="0"/>
-                        </a:rPr>
-                        <a:t>Object</a:t>
+                        <a:rPr lang="en-US" sz="1200" dirty="0"/>
+                        <a:t>Command (Response)</a:t>
                       </a:r>
                     </a:p>
                   </a:txBody>
@@ -7002,34 +6981,113 @@
                         <a:defRPr/>
                       </a:pPr>
                       <a:r>
-                        <a:rPr lang="en-US" sz="1200" dirty="0">
+                        <a:rPr lang="en-US" sz="1200" dirty="0" err="1">
                           <a:solidFill>
                             <a:schemeClr val="tx1"/>
                           </a:solidFill>
                           <a:latin typeface="Courier New" panose="02070309020205020404" pitchFamily="49" charset="0"/>
                           <a:cs typeface="Courier New" panose="02070309020205020404" pitchFamily="49" charset="0"/>
                         </a:rPr>
-                        <a:t>{“response”:{“</a:t>
-                      </a:r>
-                      <a:r>
-                        <a:rPr lang="en-US" sz="1200" dirty="0" err="1">
+                        <a:t>sendMsg</a:t>
+                      </a:r>
+                      <a:endParaRPr lang="en-US" sz="1200" dirty="0">
+                        <a:solidFill>
+                          <a:schemeClr val="tx1"/>
+                        </a:solidFill>
+                        <a:latin typeface="Courier New" panose="02070309020205020404" pitchFamily="49" charset="0"/>
+                        <a:cs typeface="Courier New" panose="02070309020205020404" pitchFamily="49" charset="0"/>
+                      </a:endParaRPr>
+                    </a:p>
+                  </a:txBody>
+                  <a:tcPr/>
+                </a:tc>
+                <a:tc>
+                  <a:txBody>
+                    <a:bodyPr/>
+                    <a:lstStyle/>
+                    <a:p>
+                      <a:pPr marL="0" marR="0" lvl="0" indent="0" algn="ctr" defTabSz="914400" rtl="0" eaLnBrk="1" fontAlgn="auto" latinLnBrk="0" hangingPunct="1">
+                        <a:lnSpc>
+                          <a:spcPct val="100000"/>
+                        </a:lnSpc>
+                        <a:spcBef>
+                          <a:spcPts val="0"/>
+                        </a:spcBef>
+                        <a:spcAft>
+                          <a:spcPts val="0"/>
+                        </a:spcAft>
+                        <a:buClrTx/>
+                        <a:buSzTx/>
+                        <a:buFontTx/>
+                        <a:buNone/>
+                        <a:tabLst/>
+                        <a:defRPr/>
+                      </a:pPr>
+                      <a:r>
+                        <a:rPr lang="en-US" sz="1100" dirty="0">
+                          <a:solidFill>
+                            <a:schemeClr val="tx1"/>
+                          </a:solidFill>
+                          <a:latin typeface="Arial" panose="020B0604020202020204" pitchFamily="34" charset="0"/>
+                          <a:cs typeface="Arial" panose="020B0604020202020204" pitchFamily="34" charset="0"/>
+                        </a:rPr>
+                        <a:t>Object</a:t>
+                      </a:r>
+                    </a:p>
+                  </a:txBody>
+                  <a:tcPr/>
+                </a:tc>
+                <a:tc>
+                  <a:txBody>
+                    <a:bodyPr/>
+                    <a:lstStyle/>
+                    <a:p>
+                      <a:pPr marL="0" marR="0" lvl="0" indent="0" algn="ctr" defTabSz="914400" rtl="0" eaLnBrk="1" fontAlgn="auto" latinLnBrk="0" hangingPunct="1">
+                        <a:lnSpc>
+                          <a:spcPct val="100000"/>
+                        </a:lnSpc>
+                        <a:spcBef>
+                          <a:spcPts val="0"/>
+                        </a:spcBef>
+                        <a:spcAft>
+                          <a:spcPts val="0"/>
+                        </a:spcAft>
+                        <a:buClrTx/>
+                        <a:buSzTx/>
+                        <a:buFontTx/>
+                        <a:buNone/>
+                        <a:tabLst/>
+                        <a:defRPr/>
+                      </a:pPr>
+                      <a:r>
+                        <a:rPr lang="en-US" sz="1200" dirty="0">
                           <a:solidFill>
                             <a:schemeClr val="tx1"/>
                           </a:solidFill>
                           <a:latin typeface="Courier New" panose="02070309020205020404" pitchFamily="49" charset="0"/>
                           <a:cs typeface="Courier New" panose="02070309020205020404" pitchFamily="49" charset="0"/>
                         </a:rPr>
-                        <a:t>status”:“received</a:t>
-                      </a:r>
-                      <a:r>
-                        <a:rPr lang="en-US" sz="1200" dirty="0">
+                        <a:t>{“</a:t>
+                      </a:r>
+                      <a:r>
+                        <a:rPr lang="en-US" sz="1200" dirty="0" err="1">
                           <a:solidFill>
                             <a:schemeClr val="tx1"/>
                           </a:solidFill>
                           <a:latin typeface="Courier New" panose="02070309020205020404" pitchFamily="49" charset="0"/>
                           <a:cs typeface="Courier New" panose="02070309020205020404" pitchFamily="49" charset="0"/>
                         </a:rPr>
-                        <a:t>”}}</a:t>
+                        <a:t>status”:“Message</a:t>
+                      </a:r>
+                      <a:r>
+                        <a:rPr lang="en-US" sz="1200" dirty="0">
+                          <a:solidFill>
+                            <a:schemeClr val="tx1"/>
+                          </a:solidFill>
+                          <a:latin typeface="Courier New" panose="02070309020205020404" pitchFamily="49" charset="0"/>
+                          <a:cs typeface="Courier New" panose="02070309020205020404" pitchFamily="49" charset="0"/>
+                        </a:rPr>
+                        <a:t> received!!!”}</a:t>
                       </a:r>
                     </a:p>
                   </a:txBody>
@@ -8072,15 +8130,6 @@
 </file>
 
 <file path=customXml/item1.xml><?xml version="1.0" encoding="utf-8"?>
-<?mso-contentType ?>
-<FormTemplates xmlns="http://schemas.microsoft.com/sharepoint/v3/contenttype/forms">
-  <Display>DocumentLibraryForm</Display>
-  <Edit>DocumentLibraryForm</Edit>
-  <New>DocumentLibraryForm</New>
-</FormTemplates>
-</file>
-
-<file path=customXml/item2.xml><?xml version="1.0" encoding="utf-8"?>
 <ct:contentTypeSchema xmlns:ct="http://schemas.microsoft.com/office/2006/metadata/contentType" xmlns:ma="http://schemas.microsoft.com/office/2006/metadata/properties/metaAttributes" ct:_="" ma:_="" ma:contentTypeName="Document" ma:contentTypeID="0x0101004133D5F967D14C478A9B93B6E4AAE0A1" ma:contentTypeVersion="12" ma:contentTypeDescription="Create a new document." ma:contentTypeScope="" ma:versionID="be39687eb0009d0a279fadb1ee38cbf3">
   <xsd:schema xmlns:xsd="http://www.w3.org/2001/XMLSchema" xmlns:xs="http://www.w3.org/2001/XMLSchema" xmlns:p="http://schemas.microsoft.com/office/2006/metadata/properties" xmlns:ns2="33c4a4ff-b22f-4379-b335-5d18aca9a9f1" xmlns:ns3="558cdac9-e1e2-427d-84c4-2e31b7ae4963" targetNamespace="http://schemas.microsoft.com/office/2006/metadata/properties" ma:root="true" ma:fieldsID="7252c307e70b2973b92a92ec92737868" ns2:_="" ns3:_="">
     <xsd:import namespace="33c4a4ff-b22f-4379-b335-5d18aca9a9f1"/>
@@ -8275,6 +8324,15 @@
 </ct:contentTypeSchema>
 </file>
 
+<file path=customXml/item2.xml><?xml version="1.0" encoding="utf-8"?>
+<?mso-contentType ?>
+<FormTemplates xmlns="http://schemas.microsoft.com/sharepoint/v3/contenttype/forms">
+  <Display>DocumentLibraryForm</Display>
+  <Edit>DocumentLibraryForm</Edit>
+  <New>DocumentLibraryForm</New>
+</FormTemplates>
+</file>
+
 <file path=customXml/item3.xml><?xml version="1.0" encoding="utf-8"?>
 <p:properties xmlns:p="http://schemas.microsoft.com/office/2006/metadata/properties" xmlns:xsi="http://www.w3.org/2001/XMLSchema-instance" xmlns:pc="http://schemas.microsoft.com/office/infopath/2007/PartnerControls">
   <documentManagement>
@@ -8287,14 +8345,6 @@
 </file>
 
 <file path=customXml/itemProps1.xml><?xml version="1.0" encoding="utf-8"?>
-<ds:datastoreItem xmlns:ds="http://schemas.openxmlformats.org/officeDocument/2006/customXml" ds:itemID="{DA8BEAEE-6B1D-4561-8298-B3692BAE161A}">
-  <ds:schemaRefs>
-    <ds:schemaRef ds:uri="http://schemas.microsoft.com/sharepoint/v3/contenttype/forms"/>
-  </ds:schemaRefs>
-</ds:datastoreItem>
-</file>
-
-<file path=customXml/itemProps2.xml><?xml version="1.0" encoding="utf-8"?>
 <ds:datastoreItem xmlns:ds="http://schemas.openxmlformats.org/officeDocument/2006/customXml" ds:itemID="{83E0CF9D-0F51-4E15-AFD5-E6866B97076E}">
   <ds:schemaRefs>
     <ds:schemaRef ds:uri="http://schemas.microsoft.com/office/2006/metadata/contentType"/>
@@ -8309,6 +8359,14 @@
     <ds:schemaRef ds:uri="http://purl.org/dc/elements/1.1/"/>
     <ds:schemaRef ds:uri="http://purl.org/dc/terms/"/>
     <ds:schemaRef ds:uri="http://schemas.microsoft.com/internal/obd"/>
+  </ds:schemaRefs>
+</ds:datastoreItem>
+</file>
+
+<file path=customXml/itemProps2.xml><?xml version="1.0" encoding="utf-8"?>
+<ds:datastoreItem xmlns:ds="http://schemas.openxmlformats.org/officeDocument/2006/customXml" ds:itemID="{DA8BEAEE-6B1D-4561-8298-B3692BAE161A}">
+  <ds:schemaRefs>
+    <ds:schemaRef ds:uri="http://schemas.microsoft.com/sharepoint/v3/contenttype/forms"/>
   </ds:schemaRefs>
 </ds:datastoreItem>
 </file>
